--- a/022_91893+_+91897+Documentation.pptx
+++ b/022_91893+_+91897+Documentation.pptx
@@ -269,9 +269,54 @@
 <file path=ppt/revisionInfo.xml><?xml version="1.0" encoding="utf-8"?>
 <p1510:revInfo xmlns:a="http://schemas.openxmlformats.org/drawingml/2006/main" xmlns:r="http://schemas.openxmlformats.org/officeDocument/2006/relationships" xmlns:p1510="http://schemas.microsoft.com/office/powerpoint/2015/10/main">
   <p1510:revLst>
+    <p1510:client id="{26230193-4587-4C0D-A0AF-2B68A9D28810}" v="2" dt="2022-02-09T23:22:10.701"/>
     <p1510:client id="{AC2D6DDC-A935-4592-B4A2-DE86A1141A52}" v="3" dt="2022-02-09T23:17:41.770"/>
   </p1510:revLst>
 </p1510:revInfo>
+</file>
+
+<file path=ppt/changesInfos/changesInfo1.xml><?xml version="1.0" encoding="utf-8"?>
+<pc:chgInfo xmlns:a="http://schemas.openxmlformats.org/drawingml/2006/main" xmlns:r="http://schemas.openxmlformats.org/officeDocument/2006/relationships" xmlns:ac="http://schemas.microsoft.com/office/drawing/2013/main/command" xmlns:pc="http://schemas.microsoft.com/office/powerpoint/2013/main/command">
+  <pc:docChgLst>
+    <pc:chgData name="Giancarlo Tavano" userId="b95c5ce31b4f8ae6" providerId="LiveId" clId="{26230193-4587-4C0D-A0AF-2B68A9D28810}"/>
+    <pc:docChg chg="modSld">
+      <pc:chgData name="Giancarlo Tavano" userId="b95c5ce31b4f8ae6" providerId="LiveId" clId="{26230193-4587-4C0D-A0AF-2B68A9D28810}" dt="2022-02-09T23:24:21.669" v="7" actId="14100"/>
+      <pc:docMkLst>
+        <pc:docMk/>
+      </pc:docMkLst>
+      <pc:sldChg chg="modSp mod">
+        <pc:chgData name="Giancarlo Tavano" userId="b95c5ce31b4f8ae6" providerId="LiveId" clId="{26230193-4587-4C0D-A0AF-2B68A9D28810}" dt="2022-02-09T23:22:16.571" v="5" actId="20577"/>
+        <pc:sldMkLst>
+          <pc:docMk/>
+          <pc:sldMk cId="0" sldId="256"/>
+        </pc:sldMkLst>
+        <pc:spChg chg="mod">
+          <ac:chgData name="Giancarlo Tavano" userId="b95c5ce31b4f8ae6" providerId="LiveId" clId="{26230193-4587-4C0D-A0AF-2B68A9D28810}" dt="2022-02-09T23:22:16.571" v="5" actId="20577"/>
+          <ac:spMkLst>
+            <pc:docMk/>
+            <pc:sldMk cId="0" sldId="256"/>
+            <ac:spMk id="55" creationId="{00000000-0000-0000-0000-000000000000}"/>
+          </ac:spMkLst>
+        </pc:spChg>
+      </pc:sldChg>
+      <pc:sldChg chg="addSp modSp mod">
+        <pc:chgData name="Giancarlo Tavano" userId="b95c5ce31b4f8ae6" providerId="LiveId" clId="{26230193-4587-4C0D-A0AF-2B68A9D28810}" dt="2022-02-09T23:24:21.669" v="7" actId="14100"/>
+        <pc:sldMkLst>
+          <pc:docMk/>
+          <pc:sldMk cId="0" sldId="258"/>
+        </pc:sldMkLst>
+        <pc:picChg chg="add mod">
+          <ac:chgData name="Giancarlo Tavano" userId="b95c5ce31b4f8ae6" providerId="LiveId" clId="{26230193-4587-4C0D-A0AF-2B68A9D28810}" dt="2022-02-09T23:24:21.669" v="7" actId="14100"/>
+          <ac:picMkLst>
+            <pc:docMk/>
+            <pc:sldMk cId="0" sldId="258"/>
+            <ac:picMk id="3" creationId="{D11C6A1A-D8CF-438B-9EF0-0286C0A09CB7}"/>
+          </ac:picMkLst>
+        </pc:picChg>
+      </pc:sldChg>
+    </pc:docChg>
+  </pc:docChgLst>
+</pc:chgInfo>
 </file>
 
 <file path=ppt/notesMasters/notesMaster1.xml><?xml version="1.0" encoding="utf-8"?>
@@ -6361,23 +6406,24 @@
                   <a:srgbClr val="274E13"/>
                 </a:solidFill>
               </a:rPr>
-              <a:t>Link to </a:t>
+              <a:t>Link to github Repository: </a:t>
             </a:r>
             <a:r>
-              <a:rPr lang="en" sz="2000" b="1" dirty="0" err="1">
+              <a:rPr lang="en-NZ" sz="2000" b="1" dirty="0">
+                <a:solidFill>
+                  <a:srgbClr val="274E13"/>
+                </a:solidFill>
+                <a:hlinkClick r:id="rId3"/>
+              </a:rPr>
+              <a:t>https://github.com/jhkfgjflkdjg/pizzabot</a:t>
+            </a:r>
+            <a:r>
+              <a:rPr lang="en-NZ" sz="2000" b="1" dirty="0">
                 <a:solidFill>
                   <a:srgbClr val="274E13"/>
                 </a:solidFill>
               </a:rPr>
-              <a:t>github</a:t>
-            </a:r>
-            <a:r>
-              <a:rPr lang="en" sz="2000" b="1" dirty="0">
-                <a:solidFill>
-                  <a:srgbClr val="274E13"/>
-                </a:solidFill>
-              </a:rPr>
-              <a:t> Repository: </a:t>
+              <a:t> </a:t>
             </a:r>
             <a:endParaRPr sz="2000" b="1" dirty="0">
               <a:solidFill>
@@ -6403,7 +6449,7 @@
               <a:buFont typeface="Arial"/>
               <a:buNone/>
             </a:pPr>
-            <a:endParaRPr sz="2000">
+            <a:endParaRPr sz="2000" dirty="0">
               <a:solidFill>
                 <a:srgbClr val="274E13"/>
               </a:solidFill>
@@ -6433,23 +6479,24 @@
                   <a:srgbClr val="274E13"/>
                 </a:solidFill>
               </a:rPr>
-              <a:t>Links to </a:t>
+              <a:t>Links to trello board / project management tools:</a:t>
             </a:r>
             <a:r>
-              <a:rPr lang="en" sz="2000" b="1" dirty="0" err="1">
+              <a:rPr lang="en-NZ" sz="2000" b="1" dirty="0">
+                <a:solidFill>
+                  <a:srgbClr val="274E13"/>
+                </a:solidFill>
+                <a:hlinkClick r:id="rId4"/>
+              </a:rPr>
+              <a:t>Trello</a:t>
+            </a:r>
+            <a:r>
+              <a:rPr lang="en-NZ" sz="2000" b="1" dirty="0">
                 <a:solidFill>
                   <a:srgbClr val="274E13"/>
                 </a:solidFill>
               </a:rPr>
-              <a:t>trello</a:t>
-            </a:r>
-            <a:r>
-              <a:rPr lang="en" sz="2000" b="1" dirty="0">
-                <a:solidFill>
-                  <a:srgbClr val="274E13"/>
-                </a:solidFill>
-              </a:rPr>
-              <a:t> board / project management tools:</a:t>
+              <a:t> </a:t>
             </a:r>
             <a:endParaRPr sz="2000" dirty="0"/>
           </a:p>
@@ -6802,13 +6849,43 @@
               <a:buNone/>
             </a:pPr>
             <a:r>
-              <a:rPr lang="en" i="1"/>
+              <a:rPr lang="en" i="1" dirty="0"/>
               <a:t>Paste screenshots of your initial Trello board / task decomposition on this slide.  If you have a long list, you might need to break it up into several columns.  Delete this instruction when you are done.</a:t>
             </a:r>
-            <a:endParaRPr i="1"/>
+            <a:endParaRPr i="1" dirty="0"/>
           </a:p>
         </p:txBody>
       </p:sp>
+      <p:pic>
+        <p:nvPicPr>
+          <p:cNvPr id="3" name="Picture 2">
+            <a:extLst>
+              <a:ext uri="{FF2B5EF4-FFF2-40B4-BE49-F238E27FC236}">
+                <a16:creationId xmlns:a16="http://schemas.microsoft.com/office/drawing/2014/main" id="{D11C6A1A-D8CF-438B-9EF0-0286C0A09CB7}"/>
+              </a:ext>
+            </a:extLst>
+          </p:cNvPr>
+          <p:cNvPicPr>
+            <a:picLocks noChangeAspect="1"/>
+          </p:cNvPicPr>
+          <p:nvPr/>
+        </p:nvPicPr>
+        <p:blipFill>
+          <a:blip r:embed="rId3"/>
+          <a:stretch>
+            <a:fillRect/>
+          </a:stretch>
+        </p:blipFill>
+        <p:spPr>
+          <a:xfrm>
+            <a:off x="38362" y="2698594"/>
+            <a:ext cx="4310027" cy="2444905"/>
+          </a:xfrm>
+          <a:prstGeom prst="rect">
+            <a:avLst/>
+          </a:prstGeom>
+        </p:spPr>
+      </p:pic>
     </p:spTree>
   </p:cSld>
   <p:clrMapOvr>
@@ -7861,6 +7938,15 @@
 </file>
 
 <file path=customXml/item1.xml><?xml version="1.0" encoding="utf-8"?>
+<?mso-contentType ?>
+<FormTemplates xmlns="http://schemas.microsoft.com/sharepoint/v3/contenttype/forms">
+  <Display>DocumentLibraryForm</Display>
+  <Edit>DocumentLibraryForm</Edit>
+  <New>DocumentLibraryForm</New>
+</FormTemplates>
+</file>
+
+<file path=customXml/item2.xml><?xml version="1.0" encoding="utf-8"?>
 <ct:contentTypeSchema xmlns:ct="http://schemas.microsoft.com/office/2006/metadata/contentType" xmlns:ma="http://schemas.microsoft.com/office/2006/metadata/properties/metaAttributes" ct:_="" ma:_="" ma:contentTypeName="Document" ma:contentTypeID="0x010100C0556D9ED20ED74DAB281BE645C877EF" ma:contentTypeVersion="7" ma:contentTypeDescription="Create a new document." ma:contentTypeScope="" ma:versionID="3ce587596921beed68851f6bb71df0e0">
   <xsd:schema xmlns:xsd="http://www.w3.org/2001/XMLSchema" xmlns:xs="http://www.w3.org/2001/XMLSchema" xmlns:p="http://schemas.microsoft.com/office/2006/metadata/properties" xmlns:ns3="08405550-cfb5-405e-abdb-5c942ce3f1d4" xmlns:ns4="a93a3bdd-4ea2-450d-8d91-f7fa84c98d54" targetNamespace="http://schemas.microsoft.com/office/2006/metadata/properties" ma:root="true" ma:fieldsID="50c2a25ec3c9fc41b352652803dca642" ns3:_="" ns4:_="">
     <xsd:import namespace="08405550-cfb5-405e-abdb-5c942ce3f1d4"/>
@@ -8045,15 +8131,6 @@
 </ct:contentTypeSchema>
 </file>
 
-<file path=customXml/item2.xml><?xml version="1.0" encoding="utf-8"?>
-<?mso-contentType ?>
-<FormTemplates xmlns="http://schemas.microsoft.com/sharepoint/v3/contenttype/forms">
-  <Display>DocumentLibraryForm</Display>
-  <Edit>DocumentLibraryForm</Edit>
-  <New>DocumentLibraryForm</New>
-</FormTemplates>
-</file>
-
 <file path=customXml/item3.xml><?xml version="1.0" encoding="utf-8"?>
 <p:properties xmlns:p="http://schemas.microsoft.com/office/2006/metadata/properties" xmlns:xsi="http://www.w3.org/2001/XMLSchema-instance" xmlns:pc="http://schemas.microsoft.com/office/infopath/2007/PartnerControls">
   <documentManagement/>
@@ -8061,6 +8138,14 @@
 </file>
 
 <file path=customXml/itemProps1.xml><?xml version="1.0" encoding="utf-8"?>
+<ds:datastoreItem xmlns:ds="http://schemas.openxmlformats.org/officeDocument/2006/customXml" ds:itemID="{9218F158-48AD-466C-9409-9DB6BE72028D}">
+  <ds:schemaRefs>
+    <ds:schemaRef ds:uri="http://schemas.microsoft.com/sharepoint/v3/contenttype/forms"/>
+  </ds:schemaRefs>
+</ds:datastoreItem>
+</file>
+
+<file path=customXml/itemProps2.xml><?xml version="1.0" encoding="utf-8"?>
 <ds:datastoreItem xmlns:ds="http://schemas.openxmlformats.org/officeDocument/2006/customXml" ds:itemID="{D13AB88D-80C8-4141-BFFC-90F69343E5FF}">
   <ds:schemaRefs>
     <ds:schemaRef ds:uri="http://schemas.microsoft.com/office/2006/metadata/contentType"/>
@@ -8075,14 +8160,6 @@
     <ds:schemaRef ds:uri="http://purl.org/dc/elements/1.1/"/>
     <ds:schemaRef ds:uri="http://purl.org/dc/terms/"/>
     <ds:schemaRef ds:uri="http://schemas.microsoft.com/internal/obd"/>
-  </ds:schemaRefs>
-</ds:datastoreItem>
-</file>
-
-<file path=customXml/itemProps2.xml><?xml version="1.0" encoding="utf-8"?>
-<ds:datastoreItem xmlns:ds="http://schemas.openxmlformats.org/officeDocument/2006/customXml" ds:itemID="{9218F158-48AD-466C-9409-9DB6BE72028D}">
-  <ds:schemaRefs>
-    <ds:schemaRef ds:uri="http://schemas.microsoft.com/sharepoint/v3/contenttype/forms"/>
   </ds:schemaRefs>
 </ds:datastoreItem>
 </file>
